--- a/14_Vectorization.pptx
+++ b/14_Vectorization.pptx
@@ -6495,8 +6495,8 @@
           </a:p>
         </p:txBody>
       </p:sp>
-      <mc:AlternateContent xmlns:mc="http://schemas.openxmlformats.org/markup-compatibility/2006">
-        <mc:Choice xmlns:a14="http://schemas.microsoft.com/office/drawing/2010/main" Requires="a14">
+      <mc:AlternateContent xmlns:mc="http://schemas.openxmlformats.org/markup-compatibility/2006" xmlns:a14="http://schemas.microsoft.com/office/drawing/2010/main">
+        <mc:Choice Requires="a14">
           <p:sp>
             <p:nvSpPr>
               <p:cNvPr id="8" name="TextBox 7">
@@ -6611,7 +6611,7 @@
             </p:txBody>
           </p:sp>
         </mc:Choice>
-        <mc:Fallback>
+        <mc:Fallback xmlns="">
           <p:sp>
             <p:nvSpPr>
               <p:cNvPr id="8" name="TextBox 7">
@@ -8519,7 +8519,7 @@
         <p:spPr>
           <a:xfrm>
             <a:off x="333872" y="1356854"/>
-            <a:ext cx="4382144" cy="3837231"/>
+            <a:ext cx="4382144" cy="4242953"/>
           </a:xfrm>
           <a:ln>
             <a:solidFill>
@@ -8642,6 +8642,24 @@
                 </a:solidFill>
               </a:rPr>
               <a:t>TF-IDF (Term Frequency-Inverse Document Frequency): a numerical statistics that is indented to reflect how important a word to a document in a collection (corpus). It counts the frequency in the other documents. </a:t>
+            </a:r>
+          </a:p>
+          <a:p>
+            <a:pPr marL="342900" indent="-342900" algn="l">
+              <a:buClr>
+                <a:srgbClr val="0070C0"/>
+              </a:buClr>
+              <a:buSzPct val="80000"/>
+              <a:buFont typeface="Wingdings" pitchFamily="2" charset="2"/>
+              <a:buChar char="u"/>
+            </a:pPr>
+            <a:r>
+              <a:rPr lang="en-US" sz="1800" dirty="0">
+                <a:solidFill>
+                  <a:schemeClr val="tx1"/>
+                </a:solidFill>
+              </a:rPr>
+              <a:t>Note: Each message is a document.</a:t>
             </a:r>
           </a:p>
         </p:txBody>
@@ -9504,8 +9522,8 @@
         </p:nvSpPr>
         <p:spPr>
           <a:xfrm>
-            <a:off x="683568" y="3519455"/>
-            <a:ext cx="3888042" cy="1636690"/>
+            <a:off x="683568" y="3519454"/>
+            <a:ext cx="3888042" cy="1981691"/>
           </a:xfrm>
           <a:prstGeom prst="rect">
             <a:avLst/>
@@ -9560,8 +9578,8 @@
         </p:nvCxnSpPr>
         <p:spPr>
           <a:xfrm>
-            <a:off x="4571610" y="4337800"/>
-            <a:ext cx="549749" cy="1262007"/>
+            <a:off x="4571610" y="4510300"/>
+            <a:ext cx="549749" cy="1089507"/>
           </a:xfrm>
           <a:prstGeom prst="straightConnector1">
             <a:avLst/>
